--- a/docs/getstarted.pptx
+++ b/docs/getstarted.pptx
@@ -306,7 +306,7 @@
             <a:fld id="{530820CF-B880-4189-942D-D702A7CBA730}" type="datetimeFigureOut">
               <a:rPr lang="zh-CN" altLang="en-US" smtClean="0"/>
               <a:pPr/>
-              <a:t>2014/1/2</a:t>
+              <a:t>2014/2/19</a:t>
             </a:fld>
             <a:endParaRPr lang="zh-CN" altLang="en-US"/>
           </a:p>
@@ -473,7 +473,7 @@
             <a:fld id="{530820CF-B880-4189-942D-D702A7CBA730}" type="datetimeFigureOut">
               <a:rPr lang="zh-CN" altLang="en-US" smtClean="0"/>
               <a:pPr/>
-              <a:t>2014/1/2</a:t>
+              <a:t>2014/2/19</a:t>
             </a:fld>
             <a:endParaRPr lang="zh-CN" altLang="en-US"/>
           </a:p>
@@ -650,7 +650,7 @@
             <a:fld id="{530820CF-B880-4189-942D-D702A7CBA730}" type="datetimeFigureOut">
               <a:rPr lang="zh-CN" altLang="en-US" smtClean="0"/>
               <a:pPr/>
-              <a:t>2014/1/2</a:t>
+              <a:t>2014/2/19</a:t>
             </a:fld>
             <a:endParaRPr lang="zh-CN" altLang="en-US"/>
           </a:p>
@@ -817,7 +817,7 @@
             <a:fld id="{530820CF-B880-4189-942D-D702A7CBA730}" type="datetimeFigureOut">
               <a:rPr lang="zh-CN" altLang="en-US" smtClean="0"/>
               <a:pPr/>
-              <a:t>2014/1/2</a:t>
+              <a:t>2014/2/19</a:t>
             </a:fld>
             <a:endParaRPr lang="zh-CN" altLang="en-US"/>
           </a:p>
@@ -1060,7 +1060,7 @@
             <a:fld id="{530820CF-B880-4189-942D-D702A7CBA730}" type="datetimeFigureOut">
               <a:rPr lang="zh-CN" altLang="en-US" smtClean="0"/>
               <a:pPr/>
-              <a:t>2014/1/2</a:t>
+              <a:t>2014/2/19</a:t>
             </a:fld>
             <a:endParaRPr lang="zh-CN" altLang="en-US"/>
           </a:p>
@@ -1345,7 +1345,7 @@
             <a:fld id="{530820CF-B880-4189-942D-D702A7CBA730}" type="datetimeFigureOut">
               <a:rPr lang="zh-CN" altLang="en-US" smtClean="0"/>
               <a:pPr/>
-              <a:t>2014/1/2</a:t>
+              <a:t>2014/2/19</a:t>
             </a:fld>
             <a:endParaRPr lang="zh-CN" altLang="en-US"/>
           </a:p>
@@ -1764,7 +1764,7 @@
             <a:fld id="{530820CF-B880-4189-942D-D702A7CBA730}" type="datetimeFigureOut">
               <a:rPr lang="zh-CN" altLang="en-US" smtClean="0"/>
               <a:pPr/>
-              <a:t>2014/1/2</a:t>
+              <a:t>2014/2/19</a:t>
             </a:fld>
             <a:endParaRPr lang="zh-CN" altLang="en-US"/>
           </a:p>
@@ -1879,7 +1879,7 @@
             <a:fld id="{530820CF-B880-4189-942D-D702A7CBA730}" type="datetimeFigureOut">
               <a:rPr lang="zh-CN" altLang="en-US" smtClean="0"/>
               <a:pPr/>
-              <a:t>2014/1/2</a:t>
+              <a:t>2014/2/19</a:t>
             </a:fld>
             <a:endParaRPr lang="zh-CN" altLang="en-US"/>
           </a:p>
@@ -1971,7 +1971,7 @@
             <a:fld id="{530820CF-B880-4189-942D-D702A7CBA730}" type="datetimeFigureOut">
               <a:rPr lang="zh-CN" altLang="en-US" smtClean="0"/>
               <a:pPr/>
-              <a:t>2014/1/2</a:t>
+              <a:t>2014/2/19</a:t>
             </a:fld>
             <a:endParaRPr lang="zh-CN" altLang="en-US"/>
           </a:p>
@@ -2245,7 +2245,7 @@
             <a:fld id="{530820CF-B880-4189-942D-D702A7CBA730}" type="datetimeFigureOut">
               <a:rPr lang="zh-CN" altLang="en-US" smtClean="0"/>
               <a:pPr/>
-              <a:t>2014/1/2</a:t>
+              <a:t>2014/2/19</a:t>
             </a:fld>
             <a:endParaRPr lang="zh-CN" altLang="en-US"/>
           </a:p>
@@ -2495,7 +2495,7 @@
             <a:fld id="{530820CF-B880-4189-942D-D702A7CBA730}" type="datetimeFigureOut">
               <a:rPr lang="zh-CN" altLang="en-US" smtClean="0"/>
               <a:pPr/>
-              <a:t>2014/1/2</a:t>
+              <a:t>2014/2/19</a:t>
             </a:fld>
             <a:endParaRPr lang="zh-CN" altLang="en-US"/>
           </a:p>
@@ -2705,7 +2705,7 @@
             <a:fld id="{530820CF-B880-4189-942D-D702A7CBA730}" type="datetimeFigureOut">
               <a:rPr lang="zh-CN" altLang="en-US" smtClean="0"/>
               <a:pPr/>
-              <a:t>2014/1/2</a:t>
+              <a:t>2014/2/19</a:t>
             </a:fld>
             <a:endParaRPr lang="zh-CN" altLang="en-US"/>
           </a:p>
@@ -3113,7 +3113,12 @@
             <p:ph type="subTitle" idx="1"/>
           </p:nvPr>
         </p:nvSpPr>
-        <p:spPr/>
+        <p:spPr>
+          <a:xfrm>
+            <a:off x="1000100" y="3886200"/>
+            <a:ext cx="7358114" cy="1685940"/>
+          </a:xfrm>
+        </p:spPr>
         <p:txBody>
           <a:bodyPr/>
           <a:lstStyle/>
@@ -3130,7 +3135,7 @@
           <a:p>
             <a:r>
               <a:rPr lang="en-US" altLang="zh-CN" dirty="0" smtClean="0"/>
-              <a:t>http://code.google.com/p/ironrhino/</a:t>
+              <a:t>https://github.com/ironrhino/ironrhino</a:t>
             </a:r>
             <a:endParaRPr lang="zh-CN" altLang="en-US" dirty="0"/>
           </a:p>
@@ -6176,11 +6181,7 @@
             </a:r>
             <a:r>
               <a:rPr lang="en-US" altLang="zh-CN" smtClean="0"/>
-              <a:t>= </a:t>
-            </a:r>
-            <a:r>
-              <a:rPr lang="en-US" altLang="zh-CN" smtClean="0"/>
-              <a:t>“20</a:t>
+              <a:t>= “20</a:t>
             </a:r>
             <a:r>
               <a:rPr lang="en-US" altLang="zh-CN" dirty="0" smtClean="0"/>
@@ -6957,128 +6958,130 @@
             </a:r>
             <a:r>
               <a:rPr lang="en-US" altLang="zh-CN" sz="2400" dirty="0" err="1" smtClean="0"/>
-              <a:t>svn</a:t>
+              <a:t>git</a:t>
             </a:r>
             <a:r>
               <a:rPr lang="zh-CN" altLang="en-US" sz="2400" dirty="0" smtClean="0"/>
-              <a:t>地址是</a:t>
+              <a:t>地址</a:t>
+            </a:r>
+            <a:r>
+              <a:rPr lang="zh-CN" altLang="en-US" sz="2400" dirty="0" smtClean="0"/>
+              <a:t>是</a:t>
             </a:r>
             <a:r>
               <a:rPr lang="en-US" altLang="zh-CN" sz="2400" dirty="0" smtClean="0"/>
               <a:t> </a:t>
             </a:r>
             <a:r>
+              <a:rPr lang="en-US" altLang="zh-CN" sz="2400" dirty="0" smtClean="0"/>
+              <a:t>https://github.com/ironrhino/ironrhino.git</a:t>
+            </a:r>
+            <a:endParaRPr lang="en-US" altLang="zh-CN" sz="2400" dirty="0" smtClean="0"/>
+          </a:p>
+          <a:p>
+            <a:r>
+              <a:rPr lang="zh-CN" altLang="en-US" sz="2400" dirty="0" smtClean="0"/>
+              <a:t>在</a:t>
+            </a:r>
+            <a:r>
+              <a:rPr lang="en-US" altLang="zh-CN" sz="2400" dirty="0" err="1" smtClean="0"/>
+              <a:t>ironrhino</a:t>
+            </a:r>
+            <a:r>
+              <a:rPr lang="zh-CN" altLang="en-US" sz="2400" dirty="0" smtClean="0"/>
+              <a:t>工程里面执行 </a:t>
+            </a:r>
+            <a:r>
+              <a:rPr lang="en-US" altLang="zh-CN" sz="2400" dirty="0" smtClean="0"/>
+              <a:t>ant create -</a:t>
+            </a:r>
+            <a:r>
+              <a:rPr lang="en-US" altLang="zh-CN" sz="2400" dirty="0" err="1" smtClean="0"/>
+              <a:t>Dproject.name</a:t>
+            </a:r>
+            <a:r>
+              <a:rPr lang="en-US" altLang="zh-CN" sz="2400" dirty="0" smtClean="0"/>
+              <a:t>=sample  </a:t>
+            </a:r>
+            <a:r>
+              <a:rPr lang="zh-CN" altLang="en-US" sz="2400" dirty="0" smtClean="0"/>
+              <a:t>这样会生成一个新的工程叫</a:t>
+            </a:r>
+            <a:r>
+              <a:rPr lang="en-US" altLang="zh-CN" sz="2400" dirty="0" smtClean="0"/>
+              <a:t>sample,</a:t>
+            </a:r>
+            <a:r>
+              <a:rPr lang="zh-CN" altLang="en-US" sz="2400" dirty="0" smtClean="0"/>
+              <a:t>将</a:t>
+            </a:r>
+            <a:r>
+              <a:rPr lang="en-US" altLang="zh-CN" sz="2400" dirty="0" smtClean="0"/>
+              <a:t>sample</a:t>
+            </a:r>
+            <a:r>
+              <a:rPr lang="zh-CN" altLang="en-US" sz="2400" dirty="0" smtClean="0"/>
+              <a:t>导入</a:t>
+            </a:r>
+            <a:r>
+              <a:rPr lang="en-US" altLang="zh-CN" sz="2400" dirty="0" smtClean="0"/>
+              <a:t>IDE</a:t>
+            </a:r>
+          </a:p>
+          <a:p>
+            <a:r>
+              <a:rPr lang="zh-CN" altLang="en-US" sz="2400" dirty="0" smtClean="0"/>
+              <a:t>设置环境变量 </a:t>
+            </a:r>
+            <a:r>
+              <a:rPr lang="en-US" altLang="zh-CN" sz="2400" dirty="0" smtClean="0"/>
+              <a:t>STAGE=DEVELOPMENT ,</a:t>
+            </a:r>
+            <a:r>
+              <a:rPr lang="zh-CN" altLang="en-US" sz="2400" dirty="0" smtClean="0"/>
+              <a:t>这一步在开发环境很重要</a:t>
+            </a:r>
+            <a:r>
+              <a:rPr lang="en-US" altLang="zh-CN" sz="2400" dirty="0" smtClean="0"/>
+              <a:t>,</a:t>
+            </a:r>
+            <a:r>
+              <a:rPr lang="zh-CN" altLang="en-US" sz="2400" dirty="0" smtClean="0"/>
+              <a:t>很多改动不用重启就可以看到效果</a:t>
+            </a:r>
+            <a:endParaRPr lang="en-US" altLang="zh-CN" sz="2400" dirty="0" smtClean="0"/>
+          </a:p>
+          <a:p>
+            <a:r>
+              <a:rPr lang="zh-CN" altLang="en-US" sz="2400" dirty="0" smtClean="0"/>
+              <a:t>将</a:t>
+            </a:r>
+            <a:r>
+              <a:rPr lang="en-US" altLang="zh-CN" sz="2400" dirty="0" smtClean="0"/>
+              <a:t>sample</a:t>
+            </a:r>
+            <a:r>
+              <a:rPr lang="zh-CN" altLang="en-US" sz="2400" dirty="0" smtClean="0"/>
+              <a:t>工程的</a:t>
+            </a:r>
+            <a:r>
+              <a:rPr lang="en-US" altLang="zh-CN" sz="2400" dirty="0" err="1" smtClean="0"/>
+              <a:t>webapp</a:t>
+            </a:r>
+            <a:r>
+              <a:rPr lang="zh-CN" altLang="en-US" sz="2400" dirty="0" smtClean="0"/>
+              <a:t>目录部署到应用服务器</a:t>
+            </a:r>
+            <a:endParaRPr lang="en-US" altLang="zh-CN" sz="2400" dirty="0" smtClean="0"/>
+          </a:p>
+          <a:p>
+            <a:r>
+              <a:rPr lang="zh-CN" altLang="en-US" sz="2400" dirty="0" smtClean="0"/>
+              <a:t>打开浏览器访问 </a:t>
+            </a:r>
+            <a:r>
               <a:rPr lang="en-US" altLang="zh-CN" sz="2400" dirty="0" smtClean="0">
                 <a:hlinkClick r:id="rId2"/>
-              </a:rPr>
-              <a:t>https://ironrhino.googlecode.com/svn/trunk/ironrhino</a:t>
-            </a:r>
-            <a:endParaRPr lang="en-US" altLang="zh-CN" sz="2400" dirty="0" smtClean="0"/>
-          </a:p>
-          <a:p>
-            <a:r>
-              <a:rPr lang="zh-CN" altLang="en-US" sz="2400" dirty="0" smtClean="0"/>
-              <a:t>在</a:t>
-            </a:r>
-            <a:r>
-              <a:rPr lang="en-US" altLang="zh-CN" sz="2400" dirty="0" err="1" smtClean="0"/>
-              <a:t>ironrhino</a:t>
-            </a:r>
-            <a:r>
-              <a:rPr lang="zh-CN" altLang="en-US" sz="2400" dirty="0" smtClean="0"/>
-              <a:t>工程里面执行 </a:t>
-            </a:r>
-            <a:r>
-              <a:rPr lang="en-US" altLang="zh-CN" sz="2400" dirty="0" smtClean="0"/>
-              <a:t>ant create -</a:t>
-            </a:r>
-            <a:r>
-              <a:rPr lang="en-US" altLang="zh-CN" sz="2400" dirty="0" err="1" smtClean="0"/>
-              <a:t>Dproject.name</a:t>
-            </a:r>
-            <a:r>
-              <a:rPr lang="en-US" altLang="zh-CN" sz="2400" dirty="0" smtClean="0"/>
-              <a:t>=sample  </a:t>
-            </a:r>
-            <a:r>
-              <a:rPr lang="zh-CN" altLang="en-US" sz="2400" dirty="0" smtClean="0"/>
-              <a:t>这样会生成一个新的工程叫</a:t>
-            </a:r>
-            <a:r>
-              <a:rPr lang="en-US" altLang="zh-CN" sz="2400" dirty="0" smtClean="0"/>
-              <a:t>sample,</a:t>
-            </a:r>
-            <a:r>
-              <a:rPr lang="zh-CN" altLang="en-US" sz="2400" dirty="0" smtClean="0"/>
-              <a:t>将</a:t>
-            </a:r>
-            <a:r>
-              <a:rPr lang="en-US" altLang="zh-CN" sz="2400" dirty="0" smtClean="0"/>
-              <a:t>sample</a:t>
-            </a:r>
-            <a:r>
-              <a:rPr lang="zh-CN" altLang="en-US" sz="2400" dirty="0" smtClean="0"/>
-              <a:t>导入</a:t>
-            </a:r>
-            <a:r>
-              <a:rPr lang="en-US" altLang="zh-CN" sz="2400" dirty="0" smtClean="0"/>
-              <a:t>IDE</a:t>
-            </a:r>
-          </a:p>
-          <a:p>
-            <a:r>
-              <a:rPr lang="zh-CN" altLang="en-US" sz="2400" dirty="0" smtClean="0"/>
-              <a:t>设置环境变量 </a:t>
-            </a:r>
-            <a:r>
-              <a:rPr lang="en-US" altLang="zh-CN" sz="2400" dirty="0" smtClean="0"/>
-              <a:t>STAGE=DEVELOPMENT ,</a:t>
-            </a:r>
-            <a:r>
-              <a:rPr lang="zh-CN" altLang="en-US" sz="2400" dirty="0" smtClean="0"/>
-              <a:t>这一步在开发环境很重要</a:t>
-            </a:r>
-            <a:r>
-              <a:rPr lang="en-US" altLang="zh-CN" sz="2400" dirty="0" smtClean="0"/>
-              <a:t>,</a:t>
-            </a:r>
-            <a:r>
-              <a:rPr lang="zh-CN" altLang="en-US" sz="2400" smtClean="0"/>
-              <a:t>很多改动不用重启就可以看到效果</a:t>
-            </a:r>
-            <a:endParaRPr lang="en-US" altLang="zh-CN" sz="2400" dirty="0" smtClean="0"/>
-          </a:p>
-          <a:p>
-            <a:r>
-              <a:rPr lang="zh-CN" altLang="en-US" sz="2400" dirty="0" smtClean="0"/>
-              <a:t>将</a:t>
-            </a:r>
-            <a:r>
-              <a:rPr lang="en-US" altLang="zh-CN" sz="2400" dirty="0" smtClean="0"/>
-              <a:t>sample</a:t>
-            </a:r>
-            <a:r>
-              <a:rPr lang="zh-CN" altLang="en-US" sz="2400" dirty="0" smtClean="0"/>
-              <a:t>工程的</a:t>
-            </a:r>
-            <a:r>
-              <a:rPr lang="en-US" altLang="zh-CN" sz="2400" dirty="0" err="1" smtClean="0"/>
-              <a:t>webapp</a:t>
-            </a:r>
-            <a:r>
-              <a:rPr lang="zh-CN" altLang="en-US" sz="2400" dirty="0" smtClean="0"/>
-              <a:t>目录部署到应用服务器</a:t>
-            </a:r>
-            <a:endParaRPr lang="en-US" altLang="zh-CN" sz="2400" dirty="0" smtClean="0"/>
-          </a:p>
-          <a:p>
-            <a:r>
-              <a:rPr lang="zh-CN" altLang="en-US" sz="2400" dirty="0" smtClean="0"/>
-              <a:t>打开浏览器访问 </a:t>
-            </a:r>
-            <a:r>
-              <a:rPr lang="en-US" altLang="zh-CN" sz="2400" dirty="0" smtClean="0">
-                <a:hlinkClick r:id="rId3"/>
               </a:rPr>
               <a:t>http://localhost:8080/setup</a:t>
             </a:r>
